--- a/Agenda Materials/onedm-agenda-2022-05-09.pptx
+++ b/Agenda Materials/onedm-agenda-2022-05-09.pptx
@@ -10871,7 +10871,7 @@
           <a:p>
             <a:r>
               <a:rPr lang="en-US" dirty="0"/>
-              <a:t>T2TRG working meeting May 18</a:t>
+              <a:t>WISHI working meeting May 19</a:t>
             </a:r>
             <a:r>
               <a:rPr lang="en-US" baseline="30000" dirty="0"/>
